--- a/Plant-_detect_2.pptx
+++ b/Plant-_detect_2.pptx
@@ -4,6 +4,9 @@
   <p:sldMasterIdLst>
     <p:sldMasterId id="2147483660" r:id="rId1"/>
   </p:sldMasterIdLst>
+  <p:notesMasterIdLst>
+    <p:notesMasterId r:id="rId18"/>
+  </p:notesMasterIdLst>
   <p:sldIdLst>
     <p:sldId id="256" r:id="rId2"/>
     <p:sldId id="257" r:id="rId3"/>
@@ -130,13 +133,479 @@
 <file path=ppt/revisionInfo.xml><?xml version="1.0" encoding="utf-8"?>
 <p1510:revInfo xmlns:a="http://schemas.openxmlformats.org/drawingml/2006/main" xmlns:r="http://schemas.openxmlformats.org/officeDocument/2006/relationships" xmlns:p1510="http://schemas.microsoft.com/office/powerpoint/2015/10/main">
   <p1510:revLst>
-    <p1510:client id="{19D6E40F-1EE0-70E2-A10D-9FE65874EBCF}" v="340" dt="2024-03-01T13:18:37.309"/>
-    <p1510:client id="{43E70A96-5E30-6229-0F65-FD983A9FBBD0}" v="1619" dt="2024-02-29T16:31:44.954"/>
-    <p1510:client id="{4DB2DE1B-327D-6165-2B03-4F73C9B3022A}" v="235" dt="2024-03-01T12:49:59.897"/>
-    <p1510:client id="{5817221C-C5AA-268F-F6BE-ED04C677CB5E}" v="25" dt="2024-03-01T12:13:23.631"/>
-    <p1510:client id="{633BFEBF-7C70-9049-FE87-E557BAFD350A}" v="142" dt="2024-03-01T13:59:16.851"/>
+    <p1510:client id="{3361084E-3900-C158-9B29-18FC6CD1C752}" v="83" dt="2024-03-04T16:48:15.264"/>
   </p1510:revLst>
 </p1510:revInfo>
+</file>
+
+<file path=ppt/notesMasters/notesMaster1.xml><?xml version="1.0" encoding="utf-8"?>
+<p:notesMaster xmlns:a="http://schemas.openxmlformats.org/drawingml/2006/main" xmlns:r="http://schemas.openxmlformats.org/officeDocument/2006/relationships" xmlns:p="http://schemas.openxmlformats.org/presentationml/2006/main">
+  <p:cSld>
+    <p:bg>
+      <p:bgRef idx="1001">
+        <a:schemeClr val="bg1"/>
+      </p:bgRef>
+    </p:bg>
+    <p:spTree>
+      <p:nvGrpSpPr>
+        <p:cNvPr id="1" name=""/>
+        <p:cNvGrpSpPr/>
+        <p:nvPr/>
+      </p:nvGrpSpPr>
+      <p:grpSpPr>
+        <a:xfrm>
+          <a:off x="0" y="0"/>
+          <a:ext cx="0" cy="0"/>
+          <a:chOff x="0" y="0"/>
+          <a:chExt cx="0" cy="0"/>
+        </a:xfrm>
+      </p:grpSpPr>
+      <p:sp>
+        <p:nvSpPr>
+          <p:cNvPr id="2" name="Header Placeholder 1"/>
+          <p:cNvSpPr>
+            <a:spLocks noGrp="1"/>
+          </p:cNvSpPr>
+          <p:nvPr>
+            <p:ph type="hdr" sz="quarter"/>
+          </p:nvPr>
+        </p:nvSpPr>
+        <p:spPr>
+          <a:xfrm>
+            <a:off x="0" y="0"/>
+            <a:ext cx="2971800" cy="458788"/>
+          </a:xfrm>
+          <a:prstGeom prst="rect">
+            <a:avLst/>
+          </a:prstGeom>
+        </p:spPr>
+        <p:txBody>
+          <a:bodyPr vert="horz" lIns="91440" tIns="45720" rIns="91440" bIns="45720" rtlCol="0"/>
+          <a:lstStyle>
+            <a:lvl1pPr algn="l">
+              <a:defRPr sz="1200"/>
+            </a:lvl1pPr>
+          </a:lstStyle>
+          <a:p>
+            <a:endParaRPr lang="en-US"/>
+          </a:p>
+        </p:txBody>
+      </p:sp>
+      <p:sp>
+        <p:nvSpPr>
+          <p:cNvPr id="3" name="Date Placeholder 2"/>
+          <p:cNvSpPr>
+            <a:spLocks noGrp="1"/>
+          </p:cNvSpPr>
+          <p:nvPr>
+            <p:ph type="dt" idx="1"/>
+          </p:nvPr>
+        </p:nvSpPr>
+        <p:spPr>
+          <a:xfrm>
+            <a:off x="3884613" y="0"/>
+            <a:ext cx="2971800" cy="458788"/>
+          </a:xfrm>
+          <a:prstGeom prst="rect">
+            <a:avLst/>
+          </a:prstGeom>
+        </p:spPr>
+        <p:txBody>
+          <a:bodyPr vert="horz" lIns="91440" tIns="45720" rIns="91440" bIns="45720" rtlCol="0"/>
+          <a:lstStyle>
+            <a:lvl1pPr algn="r">
+              <a:defRPr sz="1200"/>
+            </a:lvl1pPr>
+          </a:lstStyle>
+          <a:p>
+            <a:fld id="{1ABD4C8A-810F-41F0-9E3E-4A555B92FD2D}" type="datetimeFigureOut">
+              <a:t>3/4/2024</a:t>
+            </a:fld>
+            <a:endParaRPr lang="en-US"/>
+          </a:p>
+        </p:txBody>
+      </p:sp>
+      <p:sp>
+        <p:nvSpPr>
+          <p:cNvPr id="4" name="Slide Image Placeholder 3"/>
+          <p:cNvSpPr>
+            <a:spLocks noGrp="1" noRot="1" noChangeAspect="1"/>
+          </p:cNvSpPr>
+          <p:nvPr>
+            <p:ph type="sldImg" idx="2"/>
+          </p:nvPr>
+        </p:nvSpPr>
+        <p:spPr>
+          <a:xfrm>
+            <a:off x="685800" y="1143000"/>
+            <a:ext cx="5486400" cy="3086100"/>
+          </a:xfrm>
+          <a:prstGeom prst="rect">
+            <a:avLst/>
+          </a:prstGeom>
+          <a:noFill/>
+          <a:ln w="12700">
+            <a:solidFill>
+              <a:prstClr val="black"/>
+            </a:solidFill>
+          </a:ln>
+        </p:spPr>
+        <p:txBody>
+          <a:bodyPr vert="horz" lIns="91440" tIns="45720" rIns="91440" bIns="45720" rtlCol="0" anchor="ctr"/>
+          <a:lstStyle/>
+          <a:p>
+            <a:endParaRPr lang="en-US"/>
+          </a:p>
+        </p:txBody>
+      </p:sp>
+      <p:sp>
+        <p:nvSpPr>
+          <p:cNvPr id="5" name="Notes Placeholder 4"/>
+          <p:cNvSpPr>
+            <a:spLocks noGrp="1"/>
+          </p:cNvSpPr>
+          <p:nvPr>
+            <p:ph type="body" sz="quarter" idx="3"/>
+          </p:nvPr>
+        </p:nvSpPr>
+        <p:spPr>
+          <a:xfrm>
+            <a:off x="685800" y="4400550"/>
+            <a:ext cx="5486400" cy="3600450"/>
+          </a:xfrm>
+          <a:prstGeom prst="rect">
+            <a:avLst/>
+          </a:prstGeom>
+        </p:spPr>
+        <p:txBody>
+          <a:bodyPr vert="horz" lIns="91440" tIns="45720" rIns="91440" bIns="45720" rtlCol="0"/>
+          <a:lstStyle/>
+          <a:p>
+            <a:pPr lvl="0"/>
+            <a:r>
+              <a:rPr lang="en-US"/>
+              <a:t>Click to edit Master text styles</a:t>
+            </a:r>
+          </a:p>
+          <a:p>
+            <a:pPr lvl="1"/>
+            <a:r>
+              <a:rPr lang="en-US"/>
+              <a:t>Second level</a:t>
+            </a:r>
+          </a:p>
+          <a:p>
+            <a:pPr lvl="2"/>
+            <a:r>
+              <a:rPr lang="en-US"/>
+              <a:t>Third level</a:t>
+            </a:r>
+          </a:p>
+          <a:p>
+            <a:pPr lvl="3"/>
+            <a:r>
+              <a:rPr lang="en-US"/>
+              <a:t>Fourth level</a:t>
+            </a:r>
+          </a:p>
+          <a:p>
+            <a:pPr lvl="4"/>
+            <a:r>
+              <a:rPr lang="en-US"/>
+              <a:t>Fifth level</a:t>
+            </a:r>
+          </a:p>
+        </p:txBody>
+      </p:sp>
+      <p:sp>
+        <p:nvSpPr>
+          <p:cNvPr id="6" name="Footer Placeholder 5"/>
+          <p:cNvSpPr>
+            <a:spLocks noGrp="1"/>
+          </p:cNvSpPr>
+          <p:nvPr>
+            <p:ph type="ftr" sz="quarter" idx="4"/>
+          </p:nvPr>
+        </p:nvSpPr>
+        <p:spPr>
+          <a:xfrm>
+            <a:off x="0" y="8685213"/>
+            <a:ext cx="2971800" cy="458787"/>
+          </a:xfrm>
+          <a:prstGeom prst="rect">
+            <a:avLst/>
+          </a:prstGeom>
+        </p:spPr>
+        <p:txBody>
+          <a:bodyPr vert="horz" lIns="91440" tIns="45720" rIns="91440" bIns="45720" rtlCol="0" anchor="b"/>
+          <a:lstStyle>
+            <a:lvl1pPr algn="l">
+              <a:defRPr sz="1200"/>
+            </a:lvl1pPr>
+          </a:lstStyle>
+          <a:p>
+            <a:endParaRPr lang="en-US"/>
+          </a:p>
+        </p:txBody>
+      </p:sp>
+      <p:sp>
+        <p:nvSpPr>
+          <p:cNvPr id="7" name="Slide Number Placeholder 6"/>
+          <p:cNvSpPr>
+            <a:spLocks noGrp="1"/>
+          </p:cNvSpPr>
+          <p:nvPr>
+            <p:ph type="sldNum" sz="quarter" idx="5"/>
+          </p:nvPr>
+        </p:nvSpPr>
+        <p:spPr>
+          <a:xfrm>
+            <a:off x="3884613" y="8685213"/>
+            <a:ext cx="2971800" cy="458787"/>
+          </a:xfrm>
+          <a:prstGeom prst="rect">
+            <a:avLst/>
+          </a:prstGeom>
+        </p:spPr>
+        <p:txBody>
+          <a:bodyPr vert="horz" lIns="91440" tIns="45720" rIns="91440" bIns="45720" rtlCol="0" anchor="b"/>
+          <a:lstStyle>
+            <a:lvl1pPr algn="r">
+              <a:defRPr sz="1200"/>
+            </a:lvl1pPr>
+          </a:lstStyle>
+          <a:p>
+            <a:fld id="{5BF082C3-53A4-484F-B022-A2F80130EFB5}" type="slidenum">
+              <a:t>‹#›</a:t>
+            </a:fld>
+            <a:endParaRPr lang="en-US"/>
+          </a:p>
+        </p:txBody>
+      </p:sp>
+    </p:spTree>
+    <p:extLst>
+      <p:ext uri="{BB962C8B-B14F-4D97-AF65-F5344CB8AC3E}">
+        <p14:creationId xmlns:p14="http://schemas.microsoft.com/office/powerpoint/2010/main" val="830215383"/>
+      </p:ext>
+    </p:extLst>
+  </p:cSld>
+  <p:clrMap bg1="lt1" tx1="dk1" bg2="lt2" tx2="dk2" accent1="accent1" accent2="accent2" accent3="accent3" accent4="accent4" accent5="accent5" accent6="accent6" hlink="hlink" folHlink="folHlink"/>
+  <p:notesStyle>
+    <a:lvl1pPr marL="0" algn="l" defTabSz="914400" rtl="0" eaLnBrk="1" latinLnBrk="0" hangingPunct="1">
+      <a:defRPr sz="1200" kern="1200">
+        <a:solidFill>
+          <a:schemeClr val="tx1"/>
+        </a:solidFill>
+        <a:latin typeface="+mn-lt"/>
+        <a:ea typeface="+mn-ea"/>
+        <a:cs typeface="+mn-cs"/>
+      </a:defRPr>
+    </a:lvl1pPr>
+    <a:lvl2pPr marL="457200" algn="l" defTabSz="914400" rtl="0" eaLnBrk="1" latinLnBrk="0" hangingPunct="1">
+      <a:defRPr sz="1200" kern="1200">
+        <a:solidFill>
+          <a:schemeClr val="tx1"/>
+        </a:solidFill>
+        <a:latin typeface="+mn-lt"/>
+        <a:ea typeface="+mn-ea"/>
+        <a:cs typeface="+mn-cs"/>
+      </a:defRPr>
+    </a:lvl2pPr>
+    <a:lvl3pPr marL="914400" algn="l" defTabSz="914400" rtl="0" eaLnBrk="1" latinLnBrk="0" hangingPunct="1">
+      <a:defRPr sz="1200" kern="1200">
+        <a:solidFill>
+          <a:schemeClr val="tx1"/>
+        </a:solidFill>
+        <a:latin typeface="+mn-lt"/>
+        <a:ea typeface="+mn-ea"/>
+        <a:cs typeface="+mn-cs"/>
+      </a:defRPr>
+    </a:lvl3pPr>
+    <a:lvl4pPr marL="1371600" algn="l" defTabSz="914400" rtl="0" eaLnBrk="1" latinLnBrk="0" hangingPunct="1">
+      <a:defRPr sz="1200" kern="1200">
+        <a:solidFill>
+          <a:schemeClr val="tx1"/>
+        </a:solidFill>
+        <a:latin typeface="+mn-lt"/>
+        <a:ea typeface="+mn-ea"/>
+        <a:cs typeface="+mn-cs"/>
+      </a:defRPr>
+    </a:lvl4pPr>
+    <a:lvl5pPr marL="1828800" algn="l" defTabSz="914400" rtl="0" eaLnBrk="1" latinLnBrk="0" hangingPunct="1">
+      <a:defRPr sz="1200" kern="1200">
+        <a:solidFill>
+          <a:schemeClr val="tx1"/>
+        </a:solidFill>
+        <a:latin typeface="+mn-lt"/>
+        <a:ea typeface="+mn-ea"/>
+        <a:cs typeface="+mn-cs"/>
+      </a:defRPr>
+    </a:lvl5pPr>
+    <a:lvl6pPr marL="2286000" algn="l" defTabSz="914400" rtl="0" eaLnBrk="1" latinLnBrk="0" hangingPunct="1">
+      <a:defRPr sz="1200" kern="1200">
+        <a:solidFill>
+          <a:schemeClr val="tx1"/>
+        </a:solidFill>
+        <a:latin typeface="+mn-lt"/>
+        <a:ea typeface="+mn-ea"/>
+        <a:cs typeface="+mn-cs"/>
+      </a:defRPr>
+    </a:lvl6pPr>
+    <a:lvl7pPr marL="2743200" algn="l" defTabSz="914400" rtl="0" eaLnBrk="1" latinLnBrk="0" hangingPunct="1">
+      <a:defRPr sz="1200" kern="1200">
+        <a:solidFill>
+          <a:schemeClr val="tx1"/>
+        </a:solidFill>
+        <a:latin typeface="+mn-lt"/>
+        <a:ea typeface="+mn-ea"/>
+        <a:cs typeface="+mn-cs"/>
+      </a:defRPr>
+    </a:lvl7pPr>
+    <a:lvl8pPr marL="3200400" algn="l" defTabSz="914400" rtl="0" eaLnBrk="1" latinLnBrk="0" hangingPunct="1">
+      <a:defRPr sz="1200" kern="1200">
+        <a:solidFill>
+          <a:schemeClr val="tx1"/>
+        </a:solidFill>
+        <a:latin typeface="+mn-lt"/>
+        <a:ea typeface="+mn-ea"/>
+        <a:cs typeface="+mn-cs"/>
+      </a:defRPr>
+    </a:lvl8pPr>
+    <a:lvl9pPr marL="3657600" algn="l" defTabSz="914400" rtl="0" eaLnBrk="1" latinLnBrk="0" hangingPunct="1">
+      <a:defRPr sz="1200" kern="1200">
+        <a:solidFill>
+          <a:schemeClr val="tx1"/>
+        </a:solidFill>
+        <a:latin typeface="+mn-lt"/>
+        <a:ea typeface="+mn-ea"/>
+        <a:cs typeface="+mn-cs"/>
+      </a:defRPr>
+    </a:lvl9pPr>
+  </p:notesStyle>
+</p:notesMaster>
+</file>
+
+<file path=ppt/notesSlides/notesSlide1.xml><?xml version="1.0" encoding="utf-8"?>
+<p:notes xmlns:a="http://schemas.openxmlformats.org/drawingml/2006/main" xmlns:r="http://schemas.openxmlformats.org/officeDocument/2006/relationships" xmlns:p="http://schemas.openxmlformats.org/presentationml/2006/main">
+  <p:cSld>
+    <p:spTree>
+      <p:nvGrpSpPr>
+        <p:cNvPr id="1" name=""/>
+        <p:cNvGrpSpPr/>
+        <p:nvPr/>
+      </p:nvGrpSpPr>
+      <p:grpSpPr>
+        <a:xfrm>
+          <a:off x="0" y="0"/>
+          <a:ext cx="0" cy="0"/>
+          <a:chOff x="0" y="0"/>
+          <a:chExt cx="0" cy="0"/>
+        </a:xfrm>
+      </p:grpSpPr>
+      <p:sp>
+        <p:nvSpPr>
+          <p:cNvPr id="2" name="Slide Image Placeholder 1"/>
+          <p:cNvSpPr>
+            <a:spLocks noGrp="1" noRot="1" noChangeAspect="1"/>
+          </p:cNvSpPr>
+          <p:nvPr>
+            <p:ph type="sldImg"/>
+          </p:nvPr>
+        </p:nvSpPr>
+        <p:spPr/>
+      </p:sp>
+      <p:sp>
+        <p:nvSpPr>
+          <p:cNvPr id="3" name="Notes Placeholder 2"/>
+          <p:cNvSpPr>
+            <a:spLocks noGrp="1"/>
+          </p:cNvSpPr>
+          <p:nvPr>
+            <p:ph type="body" idx="1"/>
+          </p:nvPr>
+        </p:nvSpPr>
+        <p:spPr/>
+        <p:txBody>
+          <a:bodyPr/>
+          <a:lstStyle/>
+          <a:p>
+            <a:pPr marL="171450" indent="-171450">
+              <a:buFont typeface="Calibri"/>
+              <a:buChar char="-"/>
+            </a:pPr>
+            <a:r>
+              <a:rPr lang="en-US" dirty="0">
+                <a:ea typeface="Calibri"/>
+                <a:cs typeface="Calibri"/>
+              </a:rPr>
+              <a:t>Plenty of app rely on ai for classification</a:t>
+            </a:r>
+          </a:p>
+          <a:p>
+            <a:pPr marL="171450" indent="-171450">
+              <a:buFont typeface="Calibri"/>
+              <a:buChar char="-"/>
+            </a:pPr>
+            <a:r>
+              <a:rPr lang="en-US" dirty="0">
+                <a:ea typeface="Calibri"/>
+                <a:cs typeface="Calibri"/>
+              </a:rPr>
+              <a:t>Experts on our app are required to provide a certificate as proof of their </a:t>
+            </a:r>
+            <a:r>
+              <a:rPr lang="en-US" dirty="0" err="1">
+                <a:ea typeface="Calibri"/>
+                <a:cs typeface="Calibri"/>
+              </a:rPr>
+              <a:t>experties</a:t>
+            </a:r>
+          </a:p>
+          <a:p>
+            <a:pPr marL="171450" indent="-171450">
+              <a:buFont typeface="Calibri"/>
+              <a:buChar char="-"/>
+            </a:pPr>
+            <a:endParaRPr lang="en-US" dirty="0">
+              <a:ea typeface="Calibri"/>
+              <a:cs typeface="Calibri"/>
+            </a:endParaRPr>
+          </a:p>
+        </p:txBody>
+      </p:sp>
+      <p:sp>
+        <p:nvSpPr>
+          <p:cNvPr id="4" name="Slide Number Placeholder 3"/>
+          <p:cNvSpPr>
+            <a:spLocks noGrp="1"/>
+          </p:cNvSpPr>
+          <p:nvPr>
+            <p:ph type="sldNum" sz="quarter" idx="5"/>
+          </p:nvPr>
+        </p:nvSpPr>
+        <p:spPr/>
+        <p:txBody>
+          <a:bodyPr/>
+          <a:lstStyle/>
+          <a:p>
+            <a:fld id="{5BF082C3-53A4-484F-B022-A2F80130EFB5}" type="slidenum">
+              <a:t>4</a:t>
+            </a:fld>
+            <a:endParaRPr lang="en-US"/>
+          </a:p>
+        </p:txBody>
+      </p:sp>
+    </p:spTree>
+    <p:extLst>
+      <p:ext uri="{BB962C8B-B14F-4D97-AF65-F5344CB8AC3E}">
+        <p14:creationId xmlns:p14="http://schemas.microsoft.com/office/powerpoint/2010/main" val="1136236967"/>
+      </p:ext>
+    </p:extLst>
+  </p:cSld>
+  <p:clrMapOvr>
+    <a:masterClrMapping/>
+  </p:clrMapOvr>
+</p:notes>
 </file>
 
 <file path=ppt/slideLayouts/slideLayout1.xml><?xml version="1.0" encoding="utf-8"?>
@@ -270,7 +739,7 @@
           <a:p>
             <a:fld id="{846CE7D5-CF57-46EF-B807-FDD0502418D4}" type="datetimeFigureOut">
               <a:rPr lang="en-US" smtClean="0"/>
-              <a:t>3/1/2024</a:t>
+              <a:t>3/4/2024</a:t>
             </a:fld>
             <a:endParaRPr lang="en-US"/>
           </a:p>
@@ -440,7 +909,7 @@
           <a:p>
             <a:fld id="{846CE7D5-CF57-46EF-B807-FDD0502418D4}" type="datetimeFigureOut">
               <a:rPr lang="en-US" smtClean="0"/>
-              <a:t>3/1/2024</a:t>
+              <a:t>3/4/2024</a:t>
             </a:fld>
             <a:endParaRPr lang="en-US"/>
           </a:p>
@@ -620,7 +1089,7 @@
           <a:p>
             <a:fld id="{846CE7D5-CF57-46EF-B807-FDD0502418D4}" type="datetimeFigureOut">
               <a:rPr lang="en-US" smtClean="0"/>
-              <a:t>3/1/2024</a:t>
+              <a:t>3/4/2024</a:t>
             </a:fld>
             <a:endParaRPr lang="en-US"/>
           </a:p>
@@ -790,7 +1259,7 @@
           <a:p>
             <a:fld id="{846CE7D5-CF57-46EF-B807-FDD0502418D4}" type="datetimeFigureOut">
               <a:rPr lang="en-US" smtClean="0"/>
-              <a:t>3/1/2024</a:t>
+              <a:t>3/4/2024</a:t>
             </a:fld>
             <a:endParaRPr lang="en-US"/>
           </a:p>
@@ -1036,7 +1505,7 @@
           <a:p>
             <a:fld id="{846CE7D5-CF57-46EF-B807-FDD0502418D4}" type="datetimeFigureOut">
               <a:rPr lang="en-US" smtClean="0"/>
-              <a:t>3/1/2024</a:t>
+              <a:t>3/4/2024</a:t>
             </a:fld>
             <a:endParaRPr lang="en-US"/>
           </a:p>
@@ -1268,7 +1737,7 @@
           <a:p>
             <a:fld id="{846CE7D5-CF57-46EF-B807-FDD0502418D4}" type="datetimeFigureOut">
               <a:rPr lang="en-US" smtClean="0"/>
-              <a:t>3/1/2024</a:t>
+              <a:t>3/4/2024</a:t>
             </a:fld>
             <a:endParaRPr lang="en-US"/>
           </a:p>
@@ -1635,7 +2104,7 @@
           <a:p>
             <a:fld id="{846CE7D5-CF57-46EF-B807-FDD0502418D4}" type="datetimeFigureOut">
               <a:rPr lang="en-US" smtClean="0"/>
-              <a:t>3/1/2024</a:t>
+              <a:t>3/4/2024</a:t>
             </a:fld>
             <a:endParaRPr lang="en-US"/>
           </a:p>
@@ -1753,7 +2222,7 @@
           <a:p>
             <a:fld id="{846CE7D5-CF57-46EF-B807-FDD0502418D4}" type="datetimeFigureOut">
               <a:rPr lang="en-US" smtClean="0"/>
-              <a:t>3/1/2024</a:t>
+              <a:t>3/4/2024</a:t>
             </a:fld>
             <a:endParaRPr lang="en-US"/>
           </a:p>
@@ -1848,7 +2317,7 @@
           <a:p>
             <a:fld id="{846CE7D5-CF57-46EF-B807-FDD0502418D4}" type="datetimeFigureOut">
               <a:rPr lang="en-US" smtClean="0"/>
-              <a:t>3/1/2024</a:t>
+              <a:t>3/4/2024</a:t>
             </a:fld>
             <a:endParaRPr lang="en-US"/>
           </a:p>
@@ -2125,7 +2594,7 @@
           <a:p>
             <a:fld id="{846CE7D5-CF57-46EF-B807-FDD0502418D4}" type="datetimeFigureOut">
               <a:rPr lang="en-US" smtClean="0"/>
-              <a:t>3/1/2024</a:t>
+              <a:t>3/4/2024</a:t>
             </a:fld>
             <a:endParaRPr lang="en-US"/>
           </a:p>
@@ -2382,7 +2851,7 @@
           <a:p>
             <a:fld id="{846CE7D5-CF57-46EF-B807-FDD0502418D4}" type="datetimeFigureOut">
               <a:rPr lang="en-US" smtClean="0"/>
-              <a:t>3/1/2024</a:t>
+              <a:t>3/4/2024</a:t>
             </a:fld>
             <a:endParaRPr lang="en-US"/>
           </a:p>
@@ -2595,7 +3064,7 @@
           <a:p>
             <a:fld id="{846CE7D5-CF57-46EF-B807-FDD0502418D4}" type="datetimeFigureOut">
               <a:rPr lang="en-US" smtClean="0"/>
-              <a:t>3/1/2024</a:t>
+              <a:t>3/4/2024</a:t>
             </a:fld>
             <a:endParaRPr lang="en-US"/>
           </a:p>
@@ -6763,7 +7232,7 @@
         </p:nvSpPr>
         <p:spPr>
           <a:xfrm>
-            <a:off x="630936" y="2660904"/>
+            <a:off x="392042" y="2588760"/>
             <a:ext cx="4818888" cy="3547872"/>
           </a:xfrm>
         </p:spPr>
@@ -6774,7 +7243,7 @@
           <a:lstStyle/>
           <a:p>
             <a:r>
-              <a:rPr lang="en-US" sz="2200">
+              <a:rPr lang="en-US" sz="2200" dirty="0">
                 <a:ea typeface="+mn-lt"/>
                 <a:cs typeface="+mn-lt"/>
               </a:rPr>
@@ -6792,7 +7261,7 @@
           </a:p>
           <a:p>
             <a:r>
-              <a:rPr lang="en-US" sz="2200">
+              <a:rPr lang="en-US" sz="2200" dirty="0">
                 <a:ea typeface="+mn-lt"/>
                 <a:cs typeface="+mn-lt"/>
               </a:rPr>
@@ -6801,7 +7270,7 @@
           </a:p>
           <a:p>
             <a:r>
-              <a:rPr lang="en-US" sz="2200">
+              <a:rPr lang="en-US" sz="2200" dirty="0">
                 <a:ea typeface="+mn-lt"/>
                 <a:cs typeface="+mn-lt"/>
               </a:rPr>
@@ -6810,7 +7279,7 @@
           </a:p>
           <a:p>
             <a:r>
-              <a:rPr lang="en-US" sz="2200">
+              <a:rPr lang="en-US" sz="2200" dirty="0">
                 <a:ea typeface="+mn-lt"/>
                 <a:cs typeface="+mn-lt"/>
               </a:rPr>
@@ -6828,11 +7297,20 @@
           </a:p>
           <a:p>
             <a:r>
-              <a:rPr lang="en-US" sz="2200">
+              <a:rPr lang="en-US" sz="2200" dirty="0">
                 <a:ea typeface="+mn-lt"/>
                 <a:cs typeface="+mn-lt"/>
               </a:rPr>
               <a:t>Add geo-markers</a:t>
+            </a:r>
+          </a:p>
+          <a:p>
+            <a:r>
+              <a:rPr lang="en-US" sz="2200" dirty="0">
+                <a:ea typeface="+mn-lt"/>
+                <a:cs typeface="+mn-lt"/>
+              </a:rPr>
+              <a:t>Retrieve expert's certificate</a:t>
             </a:r>
           </a:p>
           <a:p>
@@ -7351,10 +7829,13 @@
             </a:r>
           </a:p>
           <a:p>
-            <a:endParaRPr lang="en-US" sz="2200" dirty="0">
-              <a:ea typeface="+mn-lt"/>
-              <a:cs typeface="+mn-lt"/>
-            </a:endParaRPr>
+            <a:r>
+              <a:rPr lang="en-US" sz="2200" dirty="0">
+                <a:ea typeface="+mn-lt"/>
+                <a:cs typeface="+mn-lt"/>
+              </a:rPr>
+              <a:t>Follow MVC design pattern</a:t>
+            </a:r>
           </a:p>
           <a:p>
             <a:endParaRPr lang="en-US" sz="2200">
@@ -7864,15 +8345,6 @@
             </a:r>
           </a:p>
           <a:p>
-            <a:r>
-              <a:rPr lang="en-US" sz="2200" dirty="0">
-                <a:ea typeface="+mn-lt"/>
-                <a:cs typeface="+mn-lt"/>
-              </a:rPr>
-              <a:t>MVC design Pattern implementation</a:t>
-            </a:r>
-          </a:p>
-          <a:p>
             <a:pPr marL="0" indent="0">
               <a:buNone/>
             </a:pPr>
@@ -8387,6 +8859,12 @@
             <a:r>
               <a:rPr lang="en-US" sz="2200" dirty="0"/>
               <a:t>Share and remember your encounters with nature</a:t>
+            </a:r>
+          </a:p>
+          <a:p>
+            <a:r>
+              <a:rPr lang="en-US" sz="2200" dirty="0"/>
+              <a:t>Protect new foragers</a:t>
             </a:r>
           </a:p>
         </p:txBody>
@@ -9860,7 +10338,7 @@
           <p:nvPr/>
         </p:nvPicPr>
         <p:blipFill>
-          <a:blip r:embed="rId2"/>
+          <a:blip r:embed="rId3"/>
           <a:stretch>
             <a:fillRect/>
           </a:stretch>
@@ -20923,4 +21401,299 @@
     </a:ext>
   </a:extLst>
 </a:theme>
+</file>
+
+<file path=ppt/theme/theme2.xml><?xml version="1.0" encoding="utf-8"?>
+<a:theme xmlns:a="http://schemas.openxmlformats.org/drawingml/2006/main" name="Office Theme">
+  <a:themeElements>
+    <a:clrScheme name="Office">
+      <a:dk1>
+        <a:sysClr val="windowText" lastClr="000000"/>
+      </a:dk1>
+      <a:lt1>
+        <a:sysClr val="window" lastClr="FFFFFF"/>
+      </a:lt1>
+      <a:dk2>
+        <a:srgbClr val="44546A"/>
+      </a:dk2>
+      <a:lt2>
+        <a:srgbClr val="E7E6E6"/>
+      </a:lt2>
+      <a:accent1>
+        <a:srgbClr val="4472C4"/>
+      </a:accent1>
+      <a:accent2>
+        <a:srgbClr val="ED7D31"/>
+      </a:accent2>
+      <a:accent3>
+        <a:srgbClr val="A5A5A5"/>
+      </a:accent3>
+      <a:accent4>
+        <a:srgbClr val="FFC000"/>
+      </a:accent4>
+      <a:accent5>
+        <a:srgbClr val="5B9BD5"/>
+      </a:accent5>
+      <a:accent6>
+        <a:srgbClr val="70AD47"/>
+      </a:accent6>
+      <a:hlink>
+        <a:srgbClr val="0563C1"/>
+      </a:hlink>
+      <a:folHlink>
+        <a:srgbClr val="954F72"/>
+      </a:folHlink>
+    </a:clrScheme>
+    <a:fontScheme name="Office">
+      <a:majorFont>
+        <a:latin typeface="Calibri Light" panose="020F0302020204030204"/>
+        <a:ea typeface=""/>
+        <a:cs typeface=""/>
+        <a:font script="Jpan" typeface="游ゴシック Light"/>
+        <a:font script="Hang" typeface="맑은 고딕"/>
+        <a:font script="Hans" typeface="等线 Light"/>
+        <a:font script="Hant" typeface="新細明體"/>
+        <a:font script="Arab" typeface="Times New Roman"/>
+        <a:font script="Hebr" typeface="Times New Roman"/>
+        <a:font script="Thai" typeface="Angsana New"/>
+        <a:font script="Ethi" typeface="Nyala"/>
+        <a:font script="Beng" typeface="Vrinda"/>
+        <a:font script="Gujr" typeface="Shruti"/>
+        <a:font script="Khmr" typeface="MoolBoran"/>
+        <a:font script="Knda" typeface="Tunga"/>
+        <a:font script="Guru" typeface="Raavi"/>
+        <a:font script="Cans" typeface="Euphemia"/>
+        <a:font script="Cher" typeface="Plantagenet Cherokee"/>
+        <a:font script="Yiii" typeface="Microsoft Yi Baiti"/>
+        <a:font script="Tibt" typeface="Microsoft Himalaya"/>
+        <a:font script="Thaa" typeface="MV Boli"/>
+        <a:font script="Deva" typeface="Mangal"/>
+        <a:font script="Telu" typeface="Gautami"/>
+        <a:font script="Taml" typeface="Latha"/>
+        <a:font script="Syrc" typeface="Estrangelo Edessa"/>
+        <a:font script="Orya" typeface="Kalinga"/>
+        <a:font script="Mlym" typeface="Kartika"/>
+        <a:font script="Laoo" typeface="DokChampa"/>
+        <a:font script="Sinh" typeface="Iskoola Pota"/>
+        <a:font script="Mong" typeface="Mongolian Baiti"/>
+        <a:font script="Viet" typeface="Times New Roman"/>
+        <a:font script="Uigh" typeface="Microsoft Uighur"/>
+        <a:font script="Geor" typeface="Sylfaen"/>
+        <a:font script="Armn" typeface="Arial"/>
+        <a:font script="Bugi" typeface="Leelawadee UI"/>
+        <a:font script="Bopo" typeface="Microsoft JhengHei"/>
+        <a:font script="Java" typeface="Javanese Text"/>
+        <a:font script="Lisu" typeface="Segoe UI"/>
+        <a:font script="Mymr" typeface="Myanmar Text"/>
+        <a:font script="Nkoo" typeface="Ebrima"/>
+        <a:font script="Olck" typeface="Nirmala UI"/>
+        <a:font script="Osma" typeface="Ebrima"/>
+        <a:font script="Phag" typeface="Phagspa"/>
+        <a:font script="Syrn" typeface="Estrangelo Edessa"/>
+        <a:font script="Syrj" typeface="Estrangelo Edessa"/>
+        <a:font script="Syre" typeface="Estrangelo Edessa"/>
+        <a:font script="Sora" typeface="Nirmala UI"/>
+        <a:font script="Tale" typeface="Microsoft Tai Le"/>
+        <a:font script="Talu" typeface="Microsoft New Tai Lue"/>
+        <a:font script="Tfng" typeface="Ebrima"/>
+      </a:majorFont>
+      <a:minorFont>
+        <a:latin typeface="Calibri" panose="020F0502020204030204"/>
+        <a:ea typeface=""/>
+        <a:cs typeface=""/>
+        <a:font script="Jpan" typeface="游ゴシック"/>
+        <a:font script="Hang" typeface="맑은 고딕"/>
+        <a:font script="Hans" typeface="等线"/>
+        <a:font script="Hant" typeface="新細明體"/>
+        <a:font script="Arab" typeface="Arial"/>
+        <a:font script="Hebr" typeface="Arial"/>
+        <a:font script="Thai" typeface="Cordia New"/>
+        <a:font script="Ethi" typeface="Nyala"/>
+        <a:font script="Beng" typeface="Vrinda"/>
+        <a:font script="Gujr" typeface="Shruti"/>
+        <a:font script="Khmr" typeface="DaunPenh"/>
+        <a:font script="Knda" typeface="Tunga"/>
+        <a:font script="Guru" typeface="Raavi"/>
+        <a:font script="Cans" typeface="Euphemia"/>
+        <a:font script="Cher" typeface="Plantagenet Cherokee"/>
+        <a:font script="Yiii" typeface="Microsoft Yi Baiti"/>
+        <a:font script="Tibt" typeface="Microsoft Himalaya"/>
+        <a:font script="Thaa" typeface="MV Boli"/>
+        <a:font script="Deva" typeface="Mangal"/>
+        <a:font script="Telu" typeface="Gautami"/>
+        <a:font script="Taml" typeface="Latha"/>
+        <a:font script="Syrc" typeface="Estrangelo Edessa"/>
+        <a:font script="Orya" typeface="Kalinga"/>
+        <a:font script="Mlym" typeface="Kartika"/>
+        <a:font script="Laoo" typeface="DokChampa"/>
+        <a:font script="Sinh" typeface="Iskoola Pota"/>
+        <a:font script="Mong" typeface="Mongolian Baiti"/>
+        <a:font script="Viet" typeface="Arial"/>
+        <a:font script="Uigh" typeface="Microsoft Uighur"/>
+        <a:font script="Geor" typeface="Sylfaen"/>
+        <a:font script="Armn" typeface="Arial"/>
+        <a:font script="Bugi" typeface="Leelawadee UI"/>
+        <a:font script="Bopo" typeface="Microsoft JhengHei"/>
+        <a:font script="Java" typeface="Javanese Text"/>
+        <a:font script="Lisu" typeface="Segoe UI"/>
+        <a:font script="Mymr" typeface="Myanmar Text"/>
+        <a:font script="Nkoo" typeface="Ebrima"/>
+        <a:font script="Olck" typeface="Nirmala UI"/>
+        <a:font script="Osma" typeface="Ebrima"/>
+        <a:font script="Phag" typeface="Phagspa"/>
+        <a:font script="Syrn" typeface="Estrangelo Edessa"/>
+        <a:font script="Syrj" typeface="Estrangelo Edessa"/>
+        <a:font script="Syre" typeface="Estrangelo Edessa"/>
+        <a:font script="Sora" typeface="Nirmala UI"/>
+        <a:font script="Tale" typeface="Microsoft Tai Le"/>
+        <a:font script="Talu" typeface="Microsoft New Tai Lue"/>
+        <a:font script="Tfng" typeface="Ebrima"/>
+      </a:minorFont>
+    </a:fontScheme>
+    <a:fmtScheme name="Office">
+      <a:fillStyleLst>
+        <a:solidFill>
+          <a:schemeClr val="phClr"/>
+        </a:solidFill>
+        <a:gradFill rotWithShape="1">
+          <a:gsLst>
+            <a:gs pos="0">
+              <a:schemeClr val="phClr">
+                <a:lumMod val="110000"/>
+                <a:satMod val="105000"/>
+                <a:tint val="67000"/>
+              </a:schemeClr>
+            </a:gs>
+            <a:gs pos="50000">
+              <a:schemeClr val="phClr">
+                <a:lumMod val="105000"/>
+                <a:satMod val="103000"/>
+                <a:tint val="73000"/>
+              </a:schemeClr>
+            </a:gs>
+            <a:gs pos="100000">
+              <a:schemeClr val="phClr">
+                <a:lumMod val="105000"/>
+                <a:satMod val="109000"/>
+                <a:tint val="81000"/>
+              </a:schemeClr>
+            </a:gs>
+          </a:gsLst>
+          <a:lin ang="5400000" scaled="0"/>
+        </a:gradFill>
+        <a:gradFill rotWithShape="1">
+          <a:gsLst>
+            <a:gs pos="0">
+              <a:schemeClr val="phClr">
+                <a:satMod val="103000"/>
+                <a:lumMod val="102000"/>
+                <a:tint val="94000"/>
+              </a:schemeClr>
+            </a:gs>
+            <a:gs pos="50000">
+              <a:schemeClr val="phClr">
+                <a:satMod val="110000"/>
+                <a:lumMod val="100000"/>
+                <a:shade val="100000"/>
+              </a:schemeClr>
+            </a:gs>
+            <a:gs pos="100000">
+              <a:schemeClr val="phClr">
+                <a:lumMod val="99000"/>
+                <a:satMod val="120000"/>
+                <a:shade val="78000"/>
+              </a:schemeClr>
+            </a:gs>
+          </a:gsLst>
+          <a:lin ang="5400000" scaled="0"/>
+        </a:gradFill>
+      </a:fillStyleLst>
+      <a:lnStyleLst>
+        <a:ln w="6350" cap="flat" cmpd="sng" algn="ctr">
+          <a:solidFill>
+            <a:schemeClr val="phClr"/>
+          </a:solidFill>
+          <a:prstDash val="solid"/>
+          <a:miter lim="800000"/>
+        </a:ln>
+        <a:ln w="12700" cap="flat" cmpd="sng" algn="ctr">
+          <a:solidFill>
+            <a:schemeClr val="phClr"/>
+          </a:solidFill>
+          <a:prstDash val="solid"/>
+          <a:miter lim="800000"/>
+        </a:ln>
+        <a:ln w="19050" cap="flat" cmpd="sng" algn="ctr">
+          <a:solidFill>
+            <a:schemeClr val="phClr"/>
+          </a:solidFill>
+          <a:prstDash val="solid"/>
+          <a:miter lim="800000"/>
+        </a:ln>
+      </a:lnStyleLst>
+      <a:effectStyleLst>
+        <a:effectStyle>
+          <a:effectLst/>
+        </a:effectStyle>
+        <a:effectStyle>
+          <a:effectLst/>
+        </a:effectStyle>
+        <a:effectStyle>
+          <a:effectLst>
+            <a:outerShdw blurRad="57150" dist="19050" dir="5400000" algn="ctr" rotWithShape="0">
+              <a:srgbClr val="000000">
+                <a:alpha val="63000"/>
+              </a:srgbClr>
+            </a:outerShdw>
+          </a:effectLst>
+        </a:effectStyle>
+      </a:effectStyleLst>
+      <a:bgFillStyleLst>
+        <a:solidFill>
+          <a:schemeClr val="phClr"/>
+        </a:solidFill>
+        <a:solidFill>
+          <a:schemeClr val="phClr">
+            <a:tint val="95000"/>
+            <a:satMod val="170000"/>
+          </a:schemeClr>
+        </a:solidFill>
+        <a:gradFill rotWithShape="1">
+          <a:gsLst>
+            <a:gs pos="0">
+              <a:schemeClr val="phClr">
+                <a:tint val="93000"/>
+                <a:satMod val="150000"/>
+                <a:shade val="98000"/>
+                <a:lumMod val="102000"/>
+              </a:schemeClr>
+            </a:gs>
+            <a:gs pos="50000">
+              <a:schemeClr val="phClr">
+                <a:tint val="98000"/>
+                <a:satMod val="130000"/>
+                <a:shade val="90000"/>
+                <a:lumMod val="103000"/>
+              </a:schemeClr>
+            </a:gs>
+            <a:gs pos="100000">
+              <a:schemeClr val="phClr">
+                <a:shade val="63000"/>
+                <a:satMod val="120000"/>
+              </a:schemeClr>
+            </a:gs>
+          </a:gsLst>
+          <a:lin ang="5400000" scaled="0"/>
+        </a:gradFill>
+      </a:bgFillStyleLst>
+    </a:fmtScheme>
+  </a:themeElements>
+  <a:objectDefaults/>
+  <a:extraClrSchemeLst/>
+  <a:extLst>
+    <a:ext uri="{05A4C25C-085E-4340-85A3-A5531E510DB2}">
+      <thm15:themeFamily xmlns:thm15="http://schemas.microsoft.com/office/thememl/2012/main" name="Office Theme" id="{62F939B6-93AF-4DB8-9C6B-D6C7DFDC589F}" vid="{4A3C46E8-61CC-4603-A589-7422A47A8E4A}"/>
+    </a:ext>
+  </a:extLst>
+</a:theme>
 </file>
--- a/Plant-_detect_2.pptx
+++ b/Plant-_detect_2.pptx
@@ -133,7 +133,7 @@
 <file path=ppt/revisionInfo.xml><?xml version="1.0" encoding="utf-8"?>
 <p1510:revInfo xmlns:a="http://schemas.openxmlformats.org/drawingml/2006/main" xmlns:r="http://schemas.openxmlformats.org/officeDocument/2006/relationships" xmlns:p1510="http://schemas.microsoft.com/office/powerpoint/2015/10/main">
   <p1510:revLst>
-    <p1510:client id="{3361084E-3900-C158-9B29-18FC6CD1C752}" v="83" dt="2024-03-04T16:48:15.264"/>
+    <p1510:client id="{3361084E-3900-C158-9B29-18FC6CD1C752}" v="264" dt="2024-03-04T18:10:52.383"/>
   </p1510:revLst>
 </p1510:revInfo>
 </file>
@@ -7305,15 +7305,6 @@
             </a:r>
           </a:p>
           <a:p>
-            <a:r>
-              <a:rPr lang="en-US" sz="2200" dirty="0">
-                <a:ea typeface="+mn-lt"/>
-                <a:cs typeface="+mn-lt"/>
-              </a:rPr>
-              <a:t>Retrieve expert's certificate</a:t>
-            </a:r>
-          </a:p>
-          <a:p>
             <a:endParaRPr lang="en-US" sz="2200">
               <a:ea typeface="+mn-lt"/>
               <a:cs typeface="+mn-lt"/>
@@ -8345,6 +8336,15 @@
             </a:r>
           </a:p>
           <a:p>
+            <a:r>
+              <a:rPr lang="en-US" sz="2200" dirty="0">
+                <a:ea typeface="+mn-lt"/>
+                <a:cs typeface="+mn-lt"/>
+              </a:rPr>
+              <a:t>View expert's certificate </a:t>
+            </a:r>
+          </a:p>
+          <a:p>
             <a:pPr marL="0" indent="0">
               <a:buNone/>
             </a:pPr>
@@ -9023,6 +9023,235 @@
   <p:transition spd="slow">
     <p:push dir="u"/>
   </p:transition>
+  <p:timing>
+    <p:tnLst>
+      <p:par>
+        <p:cTn id="1" dur="indefinite" restart="never" nodeType="tmRoot">
+          <p:childTnLst>
+            <p:seq concurrent="1" nextAc="seek">
+              <p:cTn id="2" dur="indefinite" nodeType="mainSeq">
+                <p:childTnLst>
+                  <p:par>
+                    <p:cTn id="3" fill="hold">
+                      <p:stCondLst>
+                        <p:cond delay="indefinite"/>
+                      </p:stCondLst>
+                      <p:childTnLst>
+                        <p:par>
+                          <p:cTn id="4" fill="hold">
+                            <p:stCondLst>
+                              <p:cond delay="0"/>
+                            </p:stCondLst>
+                            <p:childTnLst>
+                              <p:par>
+                                <p:cTn id="5" presetID="1" presetClass="entr" presetSubtype="0" fill="hold" grpId="0" nodeType="clickEffect">
+                                  <p:stCondLst>
+                                    <p:cond delay="0"/>
+                                  </p:stCondLst>
+                                  <p:childTnLst>
+                                    <p:set>
+                                      <p:cBhvr>
+                                        <p:cTn id="6" dur="1" fill="hold">
+                                          <p:stCondLst>
+                                            <p:cond delay="0"/>
+                                          </p:stCondLst>
+                                        </p:cTn>
+                                        <p:tgtEl>
+                                          <p:spTgt spid="15">
+                                            <p:txEl>
+                                              <p:pRg st="0" end="0"/>
+                                            </p:txEl>
+                                          </p:spTgt>
+                                        </p:tgtEl>
+                                        <p:attrNameLst>
+                                          <p:attrName>style.visibility</p:attrName>
+                                        </p:attrNameLst>
+                                      </p:cBhvr>
+                                      <p:to>
+                                        <p:strVal val="visible"/>
+                                      </p:to>
+                                    </p:set>
+                                  </p:childTnLst>
+                                </p:cTn>
+                              </p:par>
+                            </p:childTnLst>
+                          </p:cTn>
+                        </p:par>
+                      </p:childTnLst>
+                    </p:cTn>
+                  </p:par>
+                  <p:par>
+                    <p:cTn id="7" fill="hold">
+                      <p:stCondLst>
+                        <p:cond delay="indefinite"/>
+                      </p:stCondLst>
+                      <p:childTnLst>
+                        <p:par>
+                          <p:cTn id="8" fill="hold">
+                            <p:stCondLst>
+                              <p:cond delay="0"/>
+                            </p:stCondLst>
+                            <p:childTnLst>
+                              <p:par>
+                                <p:cTn id="9" presetID="1" presetClass="entr" presetSubtype="0" fill="hold" grpId="0" nodeType="clickEffect">
+                                  <p:stCondLst>
+                                    <p:cond delay="0"/>
+                                  </p:stCondLst>
+                                  <p:childTnLst>
+                                    <p:set>
+                                      <p:cBhvr>
+                                        <p:cTn id="10" dur="1" fill="hold">
+                                          <p:stCondLst>
+                                            <p:cond delay="0"/>
+                                          </p:stCondLst>
+                                        </p:cTn>
+                                        <p:tgtEl>
+                                          <p:spTgt spid="15">
+                                            <p:txEl>
+                                              <p:pRg st="1" end="1"/>
+                                            </p:txEl>
+                                          </p:spTgt>
+                                        </p:tgtEl>
+                                        <p:attrNameLst>
+                                          <p:attrName>style.visibility</p:attrName>
+                                        </p:attrNameLst>
+                                      </p:cBhvr>
+                                      <p:to>
+                                        <p:strVal val="visible"/>
+                                      </p:to>
+                                    </p:set>
+                                  </p:childTnLst>
+                                </p:cTn>
+                              </p:par>
+                            </p:childTnLst>
+                          </p:cTn>
+                        </p:par>
+                      </p:childTnLst>
+                    </p:cTn>
+                  </p:par>
+                  <p:par>
+                    <p:cTn id="11" fill="hold">
+                      <p:stCondLst>
+                        <p:cond delay="indefinite"/>
+                      </p:stCondLst>
+                      <p:childTnLst>
+                        <p:par>
+                          <p:cTn id="12" fill="hold">
+                            <p:stCondLst>
+                              <p:cond delay="0"/>
+                            </p:stCondLst>
+                            <p:childTnLst>
+                              <p:par>
+                                <p:cTn id="13" presetID="1" presetClass="entr" presetSubtype="0" fill="hold" grpId="0" nodeType="clickEffect">
+                                  <p:stCondLst>
+                                    <p:cond delay="0"/>
+                                  </p:stCondLst>
+                                  <p:childTnLst>
+                                    <p:set>
+                                      <p:cBhvr>
+                                        <p:cTn id="14" dur="1" fill="hold">
+                                          <p:stCondLst>
+                                            <p:cond delay="0"/>
+                                          </p:stCondLst>
+                                        </p:cTn>
+                                        <p:tgtEl>
+                                          <p:spTgt spid="15">
+                                            <p:txEl>
+                                              <p:pRg st="2" end="2"/>
+                                            </p:txEl>
+                                          </p:spTgt>
+                                        </p:tgtEl>
+                                        <p:attrNameLst>
+                                          <p:attrName>style.visibility</p:attrName>
+                                        </p:attrNameLst>
+                                      </p:cBhvr>
+                                      <p:to>
+                                        <p:strVal val="visible"/>
+                                      </p:to>
+                                    </p:set>
+                                  </p:childTnLst>
+                                </p:cTn>
+                              </p:par>
+                            </p:childTnLst>
+                          </p:cTn>
+                        </p:par>
+                      </p:childTnLst>
+                    </p:cTn>
+                  </p:par>
+                  <p:par>
+                    <p:cTn id="15" fill="hold">
+                      <p:stCondLst>
+                        <p:cond delay="indefinite"/>
+                      </p:stCondLst>
+                      <p:childTnLst>
+                        <p:par>
+                          <p:cTn id="16" fill="hold">
+                            <p:stCondLst>
+                              <p:cond delay="0"/>
+                            </p:stCondLst>
+                            <p:childTnLst>
+                              <p:par>
+                                <p:cTn id="17" presetID="1" presetClass="entr" presetSubtype="0" fill="hold" grpId="0" nodeType="clickEffect">
+                                  <p:stCondLst>
+                                    <p:cond delay="0"/>
+                                  </p:stCondLst>
+                                  <p:childTnLst>
+                                    <p:set>
+                                      <p:cBhvr>
+                                        <p:cTn id="18" dur="1" fill="hold">
+                                          <p:stCondLst>
+                                            <p:cond delay="0"/>
+                                          </p:stCondLst>
+                                        </p:cTn>
+                                        <p:tgtEl>
+                                          <p:spTgt spid="15">
+                                            <p:txEl>
+                                              <p:pRg st="3" end="3"/>
+                                            </p:txEl>
+                                          </p:spTgt>
+                                        </p:tgtEl>
+                                        <p:attrNameLst>
+                                          <p:attrName>style.visibility</p:attrName>
+                                        </p:attrNameLst>
+                                      </p:cBhvr>
+                                      <p:to>
+                                        <p:strVal val="visible"/>
+                                      </p:to>
+                                    </p:set>
+                                  </p:childTnLst>
+                                </p:cTn>
+                              </p:par>
+                            </p:childTnLst>
+                          </p:cTn>
+                        </p:par>
+                      </p:childTnLst>
+                    </p:cTn>
+                  </p:par>
+                </p:childTnLst>
+              </p:cTn>
+              <p:prevCondLst>
+                <p:cond evt="onPrev" delay="0">
+                  <p:tgtEl>
+                    <p:sldTgt/>
+                  </p:tgtEl>
+                </p:cond>
+              </p:prevCondLst>
+              <p:nextCondLst>
+                <p:cond evt="onNext" delay="0">
+                  <p:tgtEl>
+                    <p:sldTgt/>
+                  </p:tgtEl>
+                </p:cond>
+              </p:nextCondLst>
+            </p:seq>
+          </p:childTnLst>
+        </p:cTn>
+      </p:par>
+    </p:tnLst>
+    <p:bldLst>
+      <p:bldP spid="15" grpId="0" build="p"/>
+    </p:bldLst>
+  </p:timing>
 </p:sld>
 </file>
 
@@ -10414,7 +10643,7 @@
         <p:spPr>
           <a:xfrm>
             <a:off x="465629" y="2987352"/>
-            <a:ext cx="4591711" cy="2985433"/>
+            <a:ext cx="4591711" cy="3354765"/>
           </a:xfrm>
           <a:prstGeom prst="rect">
             <a:avLst/>
@@ -10455,7 +10684,7 @@
             </a:endParaRPr>
           </a:p>
           <a:p>
-            <a:pPr>
+            <a:pPr marL="342900" indent="-342900">
               <a:buFont typeface="Arial"/>
               <a:buChar char="•"/>
             </a:pPr>
@@ -10467,13 +10696,17 @@
                 <a:ea typeface="+mn-lt"/>
                 <a:cs typeface="+mn-lt"/>
               </a:rPr>
-              <a:t>Utilizes user votes for organism identification.</a:t>
+              <a:t>Utilizes user votes for organism identification</a:t>
             </a:r>
-            <a:endParaRPr lang="en-US" sz="2400"/>
-          </a:p>
-          <a:p>
-            <a:pPr>
-              <a:buFont typeface="Arial"/>
+            <a:endParaRPr lang="en-US" sz="2400" dirty="0">
+              <a:solidFill>
+                <a:srgbClr val="0D0D0D"/>
+              </a:solidFill>
+            </a:endParaRPr>
+          </a:p>
+          <a:p>
+            <a:pPr marL="285750" indent="-285750">
+              <a:buFont typeface="Arial,Sans-Serif"/>
               <a:buChar char="•"/>
             </a:pPr>
             <a:r>
@@ -10481,12 +10714,25 @@
                 <a:solidFill>
                   <a:srgbClr val="0D0D0D"/>
                 </a:solidFill>
-                <a:ea typeface="+mn-lt"/>
-                <a:cs typeface="+mn-lt"/>
+                <a:latin typeface="Arial"/>
+                <a:cs typeface="Arial"/>
               </a:rPr>
-              <a:t>All users have equal participation and identification authority.</a:t>
+              <a:t>All users have equal participation and identification authority</a:t>
             </a:r>
-            <a:endParaRPr lang="en-US" sz="2400" dirty="0"/>
+            <a:endParaRPr lang="en-US" sz="2400" dirty="0">
+              <a:latin typeface="Arial"/>
+              <a:cs typeface="Arial"/>
+            </a:endParaRPr>
+          </a:p>
+          <a:p>
+            <a:pPr marL="285750" indent="-285750">
+              <a:buFont typeface="Arial,Sans-Serif"/>
+              <a:buChar char="•"/>
+            </a:pPr>
+            <a:endParaRPr lang="en-US" sz="2400" dirty="0">
+              <a:latin typeface="Arial"/>
+              <a:cs typeface="Arial"/>
+            </a:endParaRPr>
           </a:p>
           <a:p>
             <a:pPr marL="342900" indent="-342900">
@@ -10512,7 +10758,7 @@
         <p:spPr>
           <a:xfrm>
             <a:off x="6094677" y="2987219"/>
-            <a:ext cx="4872622" cy="3323987"/>
+            <a:ext cx="4872622" cy="3416320"/>
           </a:xfrm>
           <a:prstGeom prst="rect">
             <a:avLst/>
@@ -10554,7 +10800,7 @@
             </a:endParaRPr>
           </a:p>
           <a:p>
-            <a:pPr>
+            <a:pPr marL="342900" indent="-342900">
               <a:buFont typeface="Arial"/>
               <a:buChar char="•"/>
             </a:pPr>
@@ -10566,16 +10812,26 @@
                 <a:ea typeface="+mn-lt"/>
                 <a:cs typeface="+mn-lt"/>
               </a:rPr>
-              <a:t>Users are categorized into experts and amateurs.</a:t>
+              <a:t>Users are categorized into </a:t>
             </a:r>
-            <a:endParaRPr lang="en-US" sz="2400" b="1" dirty="0">
+            <a:r>
+              <a:rPr lang="en-US" sz="2400">
+                <a:solidFill>
+                  <a:srgbClr val="0D0D0D"/>
+                </a:solidFill>
+                <a:ea typeface="+mn-lt"/>
+                <a:cs typeface="+mn-lt"/>
+              </a:rPr>
+              <a:t>experts and amateurs</a:t>
+            </a:r>
+            <a:endParaRPr lang="en-US" sz="2400">
               <a:solidFill>
                 <a:srgbClr val="0D0D0D"/>
               </a:solidFill>
             </a:endParaRPr>
           </a:p>
           <a:p>
-            <a:pPr>
+            <a:pPr marL="342900" indent="-342900">
               <a:buFont typeface="Arial"/>
               <a:buChar char="•"/>
             </a:pPr>
@@ -10597,12 +10853,16 @@
                 <a:ea typeface="+mn-lt"/>
                 <a:cs typeface="+mn-lt"/>
               </a:rPr>
-              <a:t> Responsible for verifying and confirming identifications.</a:t>
+              <a:t> Responsible for verifying and confirming identifications</a:t>
             </a:r>
-            <a:endParaRPr lang="en-US" sz="2400" dirty="0"/>
-          </a:p>
-          <a:p>
-            <a:pPr>
+            <a:endParaRPr lang="en-US" sz="2400" dirty="0">
+              <a:solidFill>
+                <a:srgbClr val="0D0D0D"/>
+              </a:solidFill>
+            </a:endParaRPr>
+          </a:p>
+          <a:p>
+            <a:pPr marL="285750" indent="-285750">
               <a:buFont typeface="Arial"/>
               <a:buChar char="•"/>
             </a:pPr>
@@ -10624,15 +10884,8 @@
                 <a:ea typeface="+mn-lt"/>
                 <a:cs typeface="+mn-lt"/>
               </a:rPr>
-              <a:t> Upload images and initial identifications.</a:t>
+              <a:t> Upload images and initial identifications</a:t>
             </a:r>
-            <a:endParaRPr lang="en-US" sz="2400"/>
-          </a:p>
-          <a:p>
-            <a:pPr marL="285750" indent="-285750">
-              <a:buFont typeface="Arial"/>
-              <a:buChar char="•"/>
-            </a:pPr>
             <a:endParaRPr lang="en-US" b="1" dirty="0">
               <a:solidFill>
                 <a:srgbClr val="0D0D0D"/>
@@ -10654,6 +10907,130 @@
   <p:transition spd="slow">
     <p:push dir="u"/>
   </p:transition>
+  <p:timing>
+    <p:tnLst>
+      <p:par>
+        <p:cTn id="1" dur="indefinite" restart="never" nodeType="tmRoot">
+          <p:childTnLst>
+            <p:seq concurrent="1" nextAc="seek">
+              <p:cTn id="2" dur="indefinite" nodeType="mainSeq">
+                <p:childTnLst>
+                  <p:par>
+                    <p:cTn id="3" fill="hold">
+                      <p:stCondLst>
+                        <p:cond delay="indefinite"/>
+                      </p:stCondLst>
+                      <p:childTnLst>
+                        <p:par>
+                          <p:cTn id="4" fill="hold">
+                            <p:stCondLst>
+                              <p:cond delay="0"/>
+                            </p:stCondLst>
+                            <p:childTnLst>
+                              <p:par>
+                                <p:cTn id="5" presetID="1" presetClass="entr" presetSubtype="0" fill="hold" grpId="0" nodeType="clickEffect">
+                                  <p:stCondLst>
+                                    <p:cond delay="0"/>
+                                  </p:stCondLst>
+                                  <p:childTnLst>
+                                    <p:set>
+                                      <p:cBhvr>
+                                        <p:cTn id="6" dur="1" fill="hold">
+                                          <p:stCondLst>
+                                            <p:cond delay="0"/>
+                                          </p:stCondLst>
+                                        </p:cTn>
+                                        <p:tgtEl>
+                                          <p:spTgt spid="10"/>
+                                        </p:tgtEl>
+                                        <p:attrNameLst>
+                                          <p:attrName>style.visibility</p:attrName>
+                                        </p:attrNameLst>
+                                      </p:cBhvr>
+                                      <p:to>
+                                        <p:strVal val="visible"/>
+                                      </p:to>
+                                    </p:set>
+                                  </p:childTnLst>
+                                </p:cTn>
+                              </p:par>
+                            </p:childTnLst>
+                          </p:cTn>
+                        </p:par>
+                      </p:childTnLst>
+                    </p:cTn>
+                  </p:par>
+                  <p:par>
+                    <p:cTn id="7" fill="hold">
+                      <p:stCondLst>
+                        <p:cond delay="indefinite"/>
+                      </p:stCondLst>
+                      <p:childTnLst>
+                        <p:par>
+                          <p:cTn id="8" fill="hold">
+                            <p:stCondLst>
+                              <p:cond delay="0"/>
+                            </p:stCondLst>
+                            <p:childTnLst>
+                              <p:par>
+                                <p:cTn id="9" presetID="1" presetClass="entr" presetSubtype="0" fill="hold" grpId="0" nodeType="clickEffect">
+                                  <p:stCondLst>
+                                    <p:cond delay="0"/>
+                                  </p:stCondLst>
+                                  <p:childTnLst>
+                                    <p:set>
+                                      <p:cBhvr>
+                                        <p:cTn id="10" dur="1" fill="hold">
+                                          <p:stCondLst>
+                                            <p:cond delay="0"/>
+                                          </p:stCondLst>
+                                        </p:cTn>
+                                        <p:tgtEl>
+                                          <p:spTgt spid="12"/>
+                                        </p:tgtEl>
+                                        <p:attrNameLst>
+                                          <p:attrName>style.visibility</p:attrName>
+                                        </p:attrNameLst>
+                                      </p:cBhvr>
+                                      <p:to>
+                                        <p:strVal val="visible"/>
+                                      </p:to>
+                                    </p:set>
+                                  </p:childTnLst>
+                                </p:cTn>
+                              </p:par>
+                            </p:childTnLst>
+                          </p:cTn>
+                        </p:par>
+                      </p:childTnLst>
+                    </p:cTn>
+                  </p:par>
+                </p:childTnLst>
+              </p:cTn>
+              <p:prevCondLst>
+                <p:cond evt="onPrev" delay="0">
+                  <p:tgtEl>
+                    <p:sldTgt/>
+                  </p:tgtEl>
+                </p:cond>
+              </p:prevCondLst>
+              <p:nextCondLst>
+                <p:cond evt="onNext" delay="0">
+                  <p:tgtEl>
+                    <p:sldTgt/>
+                  </p:tgtEl>
+                </p:cond>
+              </p:nextCondLst>
+            </p:seq>
+          </p:childTnLst>
+        </p:cTn>
+      </p:par>
+    </p:tnLst>
+    <p:bldLst>
+      <p:bldP spid="10" grpId="0"/>
+      <p:bldP spid="12" grpId="0"/>
+    </p:bldLst>
+  </p:timing>
 </p:sld>
 </file>
 
@@ -17291,7 +17668,22 @@
                   <a:schemeClr val="tx2"/>
                 </a:solidFill>
               </a:rPr>
-              <a:t>Task bar and activity fragments</a:t>
+              <a:t>User interface </a:t>
+            </a:r>
+            <a:endParaRPr lang="en-US" dirty="0">
+              <a:solidFill>
+                <a:schemeClr val="tx2"/>
+              </a:solidFill>
+            </a:endParaRPr>
+          </a:p>
+          <a:p>
+            <a:r>
+              <a:rPr lang="en-US" sz="1800" dirty="0">
+                <a:solidFill>
+                  <a:schemeClr val="tx2"/>
+                </a:solidFill>
+              </a:rPr>
+              <a:t>App testing and validation</a:t>
             </a:r>
           </a:p>
           <a:p>
